--- a/TKGE-PN.pptx
+++ b/TKGE-PN.pptx
@@ -247,7 +247,7 @@
           <a:p>
             <a:fld id="{DCBE5CE5-9DB1-45CD-8399-01ECD94B8955}" type="datetimeFigureOut">
               <a:rPr lang="zh-CN" altLang="en-US" smtClean="0"/>
-              <a:t>2024/3/5</a:t>
+              <a:t>2024/3/9</a:t>
             </a:fld>
             <a:endParaRPr lang="zh-CN" altLang="en-US"/>
           </a:p>
@@ -417,7 +417,7 @@
           <a:p>
             <a:fld id="{DCBE5CE5-9DB1-45CD-8399-01ECD94B8955}" type="datetimeFigureOut">
               <a:rPr lang="zh-CN" altLang="en-US" smtClean="0"/>
-              <a:t>2024/3/5</a:t>
+              <a:t>2024/3/9</a:t>
             </a:fld>
             <a:endParaRPr lang="zh-CN" altLang="en-US"/>
           </a:p>
@@ -597,7 +597,7 @@
           <a:p>
             <a:fld id="{DCBE5CE5-9DB1-45CD-8399-01ECD94B8955}" type="datetimeFigureOut">
               <a:rPr lang="zh-CN" altLang="en-US" smtClean="0"/>
-              <a:t>2024/3/5</a:t>
+              <a:t>2024/3/9</a:t>
             </a:fld>
             <a:endParaRPr lang="zh-CN" altLang="en-US"/>
           </a:p>
@@ -767,7 +767,7 @@
           <a:p>
             <a:fld id="{DCBE5CE5-9DB1-45CD-8399-01ECD94B8955}" type="datetimeFigureOut">
               <a:rPr lang="zh-CN" altLang="en-US" smtClean="0"/>
-              <a:t>2024/3/5</a:t>
+              <a:t>2024/3/9</a:t>
             </a:fld>
             <a:endParaRPr lang="zh-CN" altLang="en-US"/>
           </a:p>
@@ -1013,7 +1013,7 @@
           <a:p>
             <a:fld id="{DCBE5CE5-9DB1-45CD-8399-01ECD94B8955}" type="datetimeFigureOut">
               <a:rPr lang="zh-CN" altLang="en-US" smtClean="0"/>
-              <a:t>2024/3/5</a:t>
+              <a:t>2024/3/9</a:t>
             </a:fld>
             <a:endParaRPr lang="zh-CN" altLang="en-US"/>
           </a:p>
@@ -1245,7 +1245,7 @@
           <a:p>
             <a:fld id="{DCBE5CE5-9DB1-45CD-8399-01ECD94B8955}" type="datetimeFigureOut">
               <a:rPr lang="zh-CN" altLang="en-US" smtClean="0"/>
-              <a:t>2024/3/5</a:t>
+              <a:t>2024/3/9</a:t>
             </a:fld>
             <a:endParaRPr lang="zh-CN" altLang="en-US"/>
           </a:p>
@@ -1612,7 +1612,7 @@
           <a:p>
             <a:fld id="{DCBE5CE5-9DB1-45CD-8399-01ECD94B8955}" type="datetimeFigureOut">
               <a:rPr lang="zh-CN" altLang="en-US" smtClean="0"/>
-              <a:t>2024/3/5</a:t>
+              <a:t>2024/3/9</a:t>
             </a:fld>
             <a:endParaRPr lang="zh-CN" altLang="en-US"/>
           </a:p>
@@ -1730,7 +1730,7 @@
           <a:p>
             <a:fld id="{DCBE5CE5-9DB1-45CD-8399-01ECD94B8955}" type="datetimeFigureOut">
               <a:rPr lang="zh-CN" altLang="en-US" smtClean="0"/>
-              <a:t>2024/3/5</a:t>
+              <a:t>2024/3/9</a:t>
             </a:fld>
             <a:endParaRPr lang="zh-CN" altLang="en-US"/>
           </a:p>
@@ -1825,7 +1825,7 @@
           <a:p>
             <a:fld id="{DCBE5CE5-9DB1-45CD-8399-01ECD94B8955}" type="datetimeFigureOut">
               <a:rPr lang="zh-CN" altLang="en-US" smtClean="0"/>
-              <a:t>2024/3/5</a:t>
+              <a:t>2024/3/9</a:t>
             </a:fld>
             <a:endParaRPr lang="zh-CN" altLang="en-US"/>
           </a:p>
@@ -2102,7 +2102,7 @@
           <a:p>
             <a:fld id="{DCBE5CE5-9DB1-45CD-8399-01ECD94B8955}" type="datetimeFigureOut">
               <a:rPr lang="zh-CN" altLang="en-US" smtClean="0"/>
-              <a:t>2024/3/5</a:t>
+              <a:t>2024/3/9</a:t>
             </a:fld>
             <a:endParaRPr lang="zh-CN" altLang="en-US"/>
           </a:p>
@@ -2359,7 +2359,7 @@
           <a:p>
             <a:fld id="{DCBE5CE5-9DB1-45CD-8399-01ECD94B8955}" type="datetimeFigureOut">
               <a:rPr lang="zh-CN" altLang="en-US" smtClean="0"/>
-              <a:t>2024/3/5</a:t>
+              <a:t>2024/3/9</a:t>
             </a:fld>
             <a:endParaRPr lang="zh-CN" altLang="en-US"/>
           </a:p>
@@ -2572,7 +2572,7 @@
           <a:p>
             <a:fld id="{DCBE5CE5-9DB1-45CD-8399-01ECD94B8955}" type="datetimeFigureOut">
               <a:rPr lang="zh-CN" altLang="en-US" smtClean="0"/>
-              <a:t>2024/3/5</a:t>
+              <a:t>2024/3/9</a:t>
             </a:fld>
             <a:endParaRPr lang="zh-CN" altLang="en-US"/>
           </a:p>
@@ -6546,25 +6546,25 @@
           <p:nvPr>
             <p:extLst>
               <p:ext uri="{D42A27DB-BD31-4B8C-83A1-F6EECF244321}">
-                <p14:modId xmlns:p14="http://schemas.microsoft.com/office/powerpoint/2010/main" val="2957307355"/>
+                <p14:modId xmlns:p14="http://schemas.microsoft.com/office/powerpoint/2010/main" val="2777639279"/>
               </p:ext>
             </p:extLst>
           </p:nvPr>
         </p:nvGraphicFramePr>
         <p:xfrm>
-          <a:off x="5750719" y="2994822"/>
-          <a:ext cx="347662" cy="347663"/>
+          <a:off x="5824538" y="3052763"/>
+          <a:ext cx="198437" cy="231775"/>
         </p:xfrm>
         <a:graphic>
           <a:graphicData uri="http://schemas.openxmlformats.org/presentationml/2006/ole">
             <mc:AlternateContent xmlns:mc="http://schemas.openxmlformats.org/markup-compatibility/2006">
               <mc:Choice xmlns:v="urn:schemas-microsoft-com:vml" Requires="v">
-                <p:oleObj name="Equation" r:id="rId2" imgW="177480" imgH="190440" progId="Equation.DSMT4">
+                <p:oleObj name="Equation" r:id="rId2" imgW="101520" imgH="126720" progId="Equation.DSMT4">
                   <p:embed/>
                 </p:oleObj>
               </mc:Choice>
               <mc:Fallback>
-                <p:oleObj name="Equation" r:id="rId2" imgW="177480" imgH="190440" progId="Equation.DSMT4">
+                <p:oleObj name="Equation" r:id="rId2" imgW="101520" imgH="126720" progId="Equation.DSMT4">
                   <p:embed/>
                   <p:pic>
                     <p:nvPicPr>
@@ -6580,8 +6580,8 @@
                     </p:blipFill>
                     <p:spPr>
                       <a:xfrm>
-                        <a:off x="5750719" y="2994822"/>
-                        <a:ext cx="347662" cy="347663"/>
+                        <a:off x="5824538" y="3052763"/>
+                        <a:ext cx="198437" cy="231775"/>
                       </a:xfrm>
                       <a:prstGeom prst="rect">
                         <a:avLst/>
@@ -7317,7 +7317,7 @@
           <p:nvPr>
             <p:extLst>
               <p:ext uri="{D42A27DB-BD31-4B8C-83A1-F6EECF244321}">
-                <p14:modId xmlns:p14="http://schemas.microsoft.com/office/powerpoint/2010/main" val="3723190006"/>
+                <p14:modId xmlns:p14="http://schemas.microsoft.com/office/powerpoint/2010/main" val="2321215268"/>
               </p:ext>
             </p:extLst>
           </p:nvPr>
@@ -7380,25 +7380,25 @@
           <p:nvPr>
             <p:extLst>
               <p:ext uri="{D42A27DB-BD31-4B8C-83A1-F6EECF244321}">
-                <p14:modId xmlns:p14="http://schemas.microsoft.com/office/powerpoint/2010/main" val="60933405"/>
+                <p14:modId xmlns:p14="http://schemas.microsoft.com/office/powerpoint/2010/main" val="1370346728"/>
               </p:ext>
             </p:extLst>
           </p:nvPr>
         </p:nvGraphicFramePr>
         <p:xfrm>
-          <a:off x="7298790" y="3878169"/>
-          <a:ext cx="165100" cy="152400"/>
+          <a:off x="7437879" y="3867631"/>
+          <a:ext cx="609600" cy="190500"/>
         </p:xfrm>
         <a:graphic>
           <a:graphicData uri="http://schemas.openxmlformats.org/presentationml/2006/ole">
             <mc:AlternateContent xmlns:mc="http://schemas.openxmlformats.org/markup-compatibility/2006">
               <mc:Choice xmlns:v="urn:schemas-microsoft-com:vml" Requires="v">
-                <p:oleObj name="Equation" r:id="rId14" imgW="164880" imgH="152280" progId="Equation.DSMT4">
+                <p:oleObj name="Equation" r:id="rId14" imgW="609480" imgH="190440" progId="Equation.DSMT4">
                   <p:embed/>
                 </p:oleObj>
               </mc:Choice>
               <mc:Fallback>
-                <p:oleObj name="Equation" r:id="rId14" imgW="164880" imgH="152280" progId="Equation.DSMT4">
+                <p:oleObj name="Equation" r:id="rId14" imgW="609480" imgH="190440" progId="Equation.DSMT4">
                   <p:embed/>
                   <p:pic>
                     <p:nvPicPr>
@@ -7414,8 +7414,8 @@
                     </p:blipFill>
                     <p:spPr>
                       <a:xfrm>
-                        <a:off x="7298790" y="3878169"/>
-                        <a:ext cx="165100" cy="152400"/>
+                        <a:off x="7437879" y="3867631"/>
+                        <a:ext cx="609600" cy="190500"/>
                       </a:xfrm>
                       <a:prstGeom prst="rect">
                         <a:avLst/>
@@ -7443,25 +7443,25 @@
           <p:nvPr>
             <p:extLst>
               <p:ext uri="{D42A27DB-BD31-4B8C-83A1-F6EECF244321}">
-                <p14:modId xmlns:p14="http://schemas.microsoft.com/office/powerpoint/2010/main" val="1480522311"/>
+                <p14:modId xmlns:p14="http://schemas.microsoft.com/office/powerpoint/2010/main" val="4249117987"/>
               </p:ext>
             </p:extLst>
           </p:nvPr>
         </p:nvGraphicFramePr>
         <p:xfrm>
-          <a:off x="7234875" y="3377506"/>
-          <a:ext cx="165100" cy="152400"/>
+          <a:off x="7028212" y="3277026"/>
+          <a:ext cx="609600" cy="190500"/>
         </p:xfrm>
         <a:graphic>
           <a:graphicData uri="http://schemas.openxmlformats.org/presentationml/2006/ole">
             <mc:AlternateContent xmlns:mc="http://schemas.openxmlformats.org/markup-compatibility/2006">
               <mc:Choice xmlns:v="urn:schemas-microsoft-com:vml" Requires="v">
-                <p:oleObj name="Equation" r:id="rId16" imgW="164892" imgH="152645" progId="Equation.DSMT4">
+                <p:oleObj name="Equation" r:id="rId16" imgW="609480" imgH="190440" progId="Equation.DSMT4">
                   <p:embed/>
                 </p:oleObj>
               </mc:Choice>
               <mc:Fallback>
-                <p:oleObj name="Equation" r:id="rId16" imgW="164892" imgH="152645" progId="Equation.DSMT4">
+                <p:oleObj name="Equation" r:id="rId16" imgW="609480" imgH="190440" progId="Equation.DSMT4">
                   <p:embed/>
                   <p:pic>
                     <p:nvPicPr>
@@ -7477,8 +7477,8 @@
                     </p:blipFill>
                     <p:spPr>
                       <a:xfrm>
-                        <a:off x="7234875" y="3377506"/>
-                        <a:ext cx="165100" cy="152400"/>
+                        <a:off x="7028212" y="3277026"/>
+                        <a:ext cx="609600" cy="190500"/>
                       </a:xfrm>
                       <a:prstGeom prst="rect">
                         <a:avLst/>

--- a/TKGE-PN.pptx
+++ b/TKGE-PN.pptx
@@ -6488,7 +6488,7 @@
         </p:nvSpPr>
         <p:spPr>
           <a:xfrm>
-            <a:off x="5750810" y="3369404"/>
+            <a:off x="5476809" y="3369404"/>
             <a:ext cx="347729" cy="347729"/>
           </a:xfrm>
           <a:prstGeom prst="ellipse">
@@ -6546,13 +6546,13 @@
           <p:nvPr>
             <p:extLst>
               <p:ext uri="{D42A27DB-BD31-4B8C-83A1-F6EECF244321}">
-                <p14:modId xmlns:p14="http://schemas.microsoft.com/office/powerpoint/2010/main" val="2777639279"/>
+                <p14:modId xmlns:p14="http://schemas.microsoft.com/office/powerpoint/2010/main" val="2590323286"/>
               </p:ext>
             </p:extLst>
           </p:nvPr>
         </p:nvGraphicFramePr>
         <p:xfrm>
-          <a:off x="5824538" y="3052763"/>
+          <a:off x="5583772" y="3056497"/>
           <a:ext cx="198437" cy="231775"/>
         </p:xfrm>
         <a:graphic>
@@ -6580,7 +6580,7 @@
                     </p:blipFill>
                     <p:spPr>
                       <a:xfrm>
-                        <a:off x="5824538" y="3052763"/>
+                        <a:off x="5583772" y="3056497"/>
                         <a:ext cx="198437" cy="231775"/>
                       </a:xfrm>
                       <a:prstGeom prst="rect">
@@ -6609,7 +6609,7 @@
           <p:nvPr>
             <p:extLst>
               <p:ext uri="{D42A27DB-BD31-4B8C-83A1-F6EECF244321}">
-                <p14:modId xmlns:p14="http://schemas.microsoft.com/office/powerpoint/2010/main" val="3934014102"/>
+                <p14:modId xmlns:p14="http://schemas.microsoft.com/office/powerpoint/2010/main" val="63251784"/>
               </p:ext>
             </p:extLst>
           </p:nvPr>
@@ -6671,7 +6671,7 @@
         </p:nvSpPr>
         <p:spPr>
           <a:xfrm>
-            <a:off x="6689840" y="3369404"/>
+            <a:off x="6727395" y="3369404"/>
             <a:ext cx="347729" cy="347729"/>
           </a:xfrm>
           <a:prstGeom prst="ellipse">
@@ -6715,145 +6715,124 @@
           </a:p>
         </p:txBody>
       </p:sp>
-      <p:grpSp>
-        <p:nvGrpSpPr>
-          <p:cNvPr id="27" name="组合 26">
+      <p:sp>
+        <p:nvSpPr>
+          <p:cNvPr id="21" name="椭圆 20">
             <a:extLst>
               <a:ext uri="{FF2B5EF4-FFF2-40B4-BE49-F238E27FC236}">
-                <a16:creationId xmlns:a16="http://schemas.microsoft.com/office/drawing/2014/main" id="{E856B7D6-C6DE-AA3B-247D-0E1FC1864C43}"/>
+                <a16:creationId xmlns:a16="http://schemas.microsoft.com/office/drawing/2014/main" id="{79B8741B-546F-D38E-4149-C621A15DCA1A}"/>
               </a:ext>
             </a:extLst>
           </p:cNvPr>
-          <p:cNvGrpSpPr/>
+          <p:cNvSpPr/>
           <p:nvPr/>
-        </p:nvGrpSpPr>
-        <p:grpSpPr>
+        </p:nvSpPr>
+        <p:spPr>
           <a:xfrm>
-            <a:off x="7568821" y="2994822"/>
-            <a:ext cx="347729" cy="722311"/>
-            <a:chOff x="4988416" y="1563688"/>
-            <a:chExt cx="347729" cy="722311"/>
+            <a:off x="7977981" y="3366416"/>
+            <a:ext cx="347729" cy="347729"/>
           </a:xfrm>
-        </p:grpSpPr>
-        <p:sp>
-          <p:nvSpPr>
-            <p:cNvPr id="21" name="椭圆 20">
-              <a:extLst>
-                <a:ext uri="{FF2B5EF4-FFF2-40B4-BE49-F238E27FC236}">
-                  <a16:creationId xmlns:a16="http://schemas.microsoft.com/office/drawing/2014/main" id="{79B8741B-546F-D38E-4149-C621A15DCA1A}"/>
-                </a:ext>
-              </a:extLst>
-            </p:cNvPr>
-            <p:cNvSpPr/>
-            <p:nvPr/>
-          </p:nvSpPr>
-          <p:spPr>
-            <a:xfrm>
-              <a:off x="4988416" y="1938270"/>
-              <a:ext cx="347729" cy="347729"/>
-            </a:xfrm>
-            <a:prstGeom prst="ellipse">
-              <a:avLst/>
-            </a:prstGeom>
-            <a:solidFill>
-              <a:schemeClr val="bg1"/>
-            </a:solidFill>
-          </p:spPr>
-          <p:style>
-            <a:lnRef idx="2">
-              <a:schemeClr val="accent1">
-                <a:shade val="15000"/>
-              </a:schemeClr>
-            </a:lnRef>
-            <a:fillRef idx="1">
-              <a:schemeClr val="accent1"/>
-            </a:fillRef>
-            <a:effectRef idx="0">
-              <a:schemeClr val="accent1"/>
-            </a:effectRef>
-            <a:fontRef idx="minor">
-              <a:schemeClr val="lt1"/>
-            </a:fontRef>
-          </p:style>
-          <p:txBody>
-            <a:bodyPr rtlCol="0" anchor="ctr"/>
-            <a:lstStyle/>
-            <a:p>
-              <a:pPr algn="ctr"/>
-              <a:endParaRPr lang="zh-CN" altLang="en-US" sz="1050" b="1" dirty="0">
-                <a:solidFill>
-                  <a:schemeClr val="tx1"/>
-                </a:solidFill>
-                <a:latin typeface="宋体" panose="02010600030101010101" pitchFamily="2" charset="-122"/>
-                <a:ea typeface="宋体" panose="02010600030101010101" pitchFamily="2" charset="-122"/>
-              </a:endParaRPr>
-            </a:p>
-          </p:txBody>
-        </p:sp>
-        <p:graphicFrame>
-          <p:nvGraphicFramePr>
-            <p:cNvPr id="22" name="对象 21">
-              <a:extLst>
-                <a:ext uri="{FF2B5EF4-FFF2-40B4-BE49-F238E27FC236}">
-                  <a16:creationId xmlns:a16="http://schemas.microsoft.com/office/drawing/2014/main" id="{31E2C1B8-BA38-4572-40F1-7843CA214E3B}"/>
-                </a:ext>
-              </a:extLst>
-            </p:cNvPr>
-            <p:cNvGraphicFramePr>
-              <a:graphicFrameLocks noChangeAspect="1"/>
-            </p:cNvGraphicFramePr>
-            <p:nvPr>
-              <p:extLst>
-                <p:ext uri="{D42A27DB-BD31-4B8C-83A1-F6EECF244321}">
-                  <p14:modId xmlns:p14="http://schemas.microsoft.com/office/powerpoint/2010/main" val="3357001300"/>
-                </p:ext>
-              </p:extLst>
-            </p:nvPr>
-          </p:nvGraphicFramePr>
-          <p:xfrm>
-            <a:off x="5024849" y="1563688"/>
-            <a:ext cx="274861" cy="347730"/>
-          </p:xfrm>
-          <a:graphic>
-            <a:graphicData uri="http://schemas.openxmlformats.org/presentationml/2006/ole">
-              <mc:AlternateContent xmlns:mc="http://schemas.openxmlformats.org/markup-compatibility/2006">
-                <mc:Choice xmlns:v="urn:schemas-microsoft-com:vml" Requires="v">
-                  <p:oleObj name="Equation" r:id="rId6" imgW="177480" imgH="190440" progId="Equation.DSMT4">
-                    <p:embed/>
-                  </p:oleObj>
-                </mc:Choice>
-                <mc:Fallback>
-                  <p:oleObj name="Equation" r:id="rId6" imgW="177480" imgH="190440" progId="Equation.DSMT4">
-                    <p:embed/>
-                    <p:pic>
-                      <p:nvPicPr>
-                        <p:cNvPr id="0" name=""/>
-                        <p:cNvPicPr/>
-                        <p:nvPr/>
-                      </p:nvPicPr>
-                      <p:blipFill>
-                        <a:blip r:embed="rId7"/>
-                        <a:stretch>
-                          <a:fillRect/>
-                        </a:stretch>
-                      </p:blipFill>
-                      <p:spPr>
-                        <a:xfrm>
-                          <a:off x="5024849" y="1563688"/>
-                          <a:ext cx="274861" cy="347730"/>
-                        </a:xfrm>
-                        <a:prstGeom prst="rect">
-                          <a:avLst/>
-                        </a:prstGeom>
-                      </p:spPr>
-                    </p:pic>
-                  </p:oleObj>
-                </mc:Fallback>
-              </mc:AlternateContent>
-            </a:graphicData>
-          </a:graphic>
-        </p:graphicFrame>
-      </p:grpSp>
+          <a:prstGeom prst="ellipse">
+            <a:avLst/>
+          </a:prstGeom>
+          <a:solidFill>
+            <a:schemeClr val="bg1"/>
+          </a:solidFill>
+        </p:spPr>
+        <p:style>
+          <a:lnRef idx="2">
+            <a:schemeClr val="accent1">
+              <a:shade val="15000"/>
+            </a:schemeClr>
+          </a:lnRef>
+          <a:fillRef idx="1">
+            <a:schemeClr val="accent1"/>
+          </a:fillRef>
+          <a:effectRef idx="0">
+            <a:schemeClr val="accent1"/>
+          </a:effectRef>
+          <a:fontRef idx="minor">
+            <a:schemeClr val="lt1"/>
+          </a:fontRef>
+        </p:style>
+        <p:txBody>
+          <a:bodyPr rtlCol="0" anchor="ctr"/>
+          <a:lstStyle/>
+          <a:p>
+            <a:pPr algn="ctr"/>
+            <a:endParaRPr lang="zh-CN" altLang="en-US" sz="1050" b="1" dirty="0">
+              <a:solidFill>
+                <a:schemeClr val="tx1"/>
+              </a:solidFill>
+              <a:latin typeface="宋体" panose="02010600030101010101" pitchFamily="2" charset="-122"/>
+              <a:ea typeface="宋体" panose="02010600030101010101" pitchFamily="2" charset="-122"/>
+            </a:endParaRPr>
+          </a:p>
+        </p:txBody>
+      </p:sp>
+      <p:graphicFrame>
+        <p:nvGraphicFramePr>
+          <p:cNvPr id="22" name="对象 21">
+            <a:extLst>
+              <a:ext uri="{FF2B5EF4-FFF2-40B4-BE49-F238E27FC236}">
+                <a16:creationId xmlns:a16="http://schemas.microsoft.com/office/drawing/2014/main" id="{31E2C1B8-BA38-4572-40F1-7843CA214E3B}"/>
+              </a:ext>
+            </a:extLst>
+          </p:cNvPr>
+          <p:cNvGraphicFramePr>
+            <a:graphicFrameLocks noChangeAspect="1"/>
+          </p:cNvGraphicFramePr>
+          <p:nvPr>
+            <p:extLst>
+              <p:ext uri="{D42A27DB-BD31-4B8C-83A1-F6EECF244321}">
+                <p14:modId xmlns:p14="http://schemas.microsoft.com/office/powerpoint/2010/main" val="2990002948"/>
+              </p:ext>
+            </p:extLst>
+          </p:nvPr>
+        </p:nvGraphicFramePr>
+        <p:xfrm>
+          <a:off x="8014412" y="3020339"/>
+          <a:ext cx="274861" cy="347730"/>
+        </p:xfrm>
+        <a:graphic>
+          <a:graphicData uri="http://schemas.openxmlformats.org/presentationml/2006/ole">
+            <mc:AlternateContent xmlns:mc="http://schemas.openxmlformats.org/markup-compatibility/2006">
+              <mc:Choice xmlns:v="urn:schemas-microsoft-com:vml" Requires="v">
+                <p:oleObj name="Equation" r:id="rId6" imgW="177480" imgH="190440" progId="Equation.DSMT4">
+                  <p:embed/>
+                </p:oleObj>
+              </mc:Choice>
+              <mc:Fallback>
+                <p:oleObj name="Equation" r:id="rId6" imgW="177480" imgH="190440" progId="Equation.DSMT4">
+                  <p:embed/>
+                  <p:pic>
+                    <p:nvPicPr>
+                      <p:cNvPr id="0" name=""/>
+                      <p:cNvPicPr/>
+                      <p:nvPr/>
+                    </p:nvPicPr>
+                    <p:blipFill>
+                      <a:blip r:embed="rId7"/>
+                      <a:stretch>
+                        <a:fillRect/>
+                      </a:stretch>
+                    </p:blipFill>
+                    <p:spPr>
+                      <a:xfrm>
+                        <a:off x="8014412" y="3020339"/>
+                        <a:ext cx="274861" cy="347730"/>
+                      </a:xfrm>
+                      <a:prstGeom prst="rect">
+                        <a:avLst/>
+                      </a:prstGeom>
+                    </p:spPr>
+                  </p:pic>
+                </p:oleObj>
+              </mc:Fallback>
+            </mc:AlternateContent>
+          </a:graphicData>
+        </a:graphic>
+      </p:graphicFrame>
       <p:sp>
         <p:nvSpPr>
           <p:cNvPr id="29" name="椭圆 28">
@@ -6868,7 +6847,7 @@
         </p:nvSpPr>
         <p:spPr>
           <a:xfrm>
-            <a:off x="7568821" y="4259686"/>
+            <a:off x="7977979" y="4509291"/>
             <a:ext cx="347729" cy="347729"/>
           </a:xfrm>
           <a:prstGeom prst="ellipse">
@@ -6924,13 +6903,13 @@
           <p:nvPr>
             <p:extLst>
               <p:ext uri="{D42A27DB-BD31-4B8C-83A1-F6EECF244321}">
-                <p14:modId xmlns:p14="http://schemas.microsoft.com/office/powerpoint/2010/main" val="1198680889"/>
+                <p14:modId xmlns:p14="http://schemas.microsoft.com/office/powerpoint/2010/main" val="3330592961"/>
               </p:ext>
             </p:extLst>
           </p:nvPr>
         </p:nvGraphicFramePr>
         <p:xfrm>
-          <a:off x="7605254" y="4586997"/>
+          <a:off x="8014414" y="4865855"/>
           <a:ext cx="274861" cy="347730"/>
         </p:xfrm>
         <a:graphic>
@@ -6964,7 +6943,7 @@
                     </p:blipFill>
                     <p:spPr>
                       <a:xfrm>
-                        <a:off x="7605254" y="4586997"/>
+                        <a:off x="8014414" y="4865855"/>
                         <a:ext cx="274861" cy="347730"/>
                       </a:xfrm>
                       <a:prstGeom prst="rect">
@@ -6992,7 +6971,7 @@
         </p:nvSpPr>
         <p:spPr>
           <a:xfrm>
-            <a:off x="6689839" y="4246260"/>
+            <a:off x="6726272" y="4509292"/>
             <a:ext cx="347729" cy="347729"/>
           </a:xfrm>
           <a:prstGeom prst="ellipse">
@@ -7048,13 +7027,13 @@
           <p:nvPr>
             <p:extLst>
               <p:ext uri="{D42A27DB-BD31-4B8C-83A1-F6EECF244321}">
-                <p14:modId xmlns:p14="http://schemas.microsoft.com/office/powerpoint/2010/main" val="840673258"/>
+                <p14:modId xmlns:p14="http://schemas.microsoft.com/office/powerpoint/2010/main" val="2545508714"/>
               </p:ext>
             </p:extLst>
           </p:nvPr>
         </p:nvGraphicFramePr>
         <p:xfrm>
-          <a:off x="6726272" y="4573571"/>
+          <a:off x="6759382" y="4856480"/>
           <a:ext cx="274861" cy="347730"/>
         </p:xfrm>
         <a:graphic>
@@ -7088,7 +7067,7 @@
                     </p:blipFill>
                     <p:spPr>
                       <a:xfrm>
-                        <a:off x="6726272" y="4573571"/>
+                        <a:off x="6759382" y="4856480"/>
                         <a:ext cx="274861" cy="347730"/>
                       </a:xfrm>
                       <a:prstGeom prst="rect">
@@ -7119,8 +7098,8 @@
         </p:nvCxnSpPr>
         <p:spPr>
           <a:xfrm>
-            <a:off x="6098539" y="3543266"/>
-            <a:ext cx="591301" cy="0"/>
+            <a:off x="5824538" y="3543269"/>
+            <a:ext cx="902857" cy="0"/>
           </a:xfrm>
           <a:prstGeom prst="line">
             <a:avLst/>
@@ -7159,8 +7138,8 @@
         </p:nvCxnSpPr>
         <p:spPr>
           <a:xfrm>
-            <a:off x="6047612" y="3666209"/>
-            <a:ext cx="693148" cy="630975"/>
+            <a:off x="5773614" y="3666209"/>
+            <a:ext cx="1003582" cy="894007"/>
           </a:xfrm>
           <a:prstGeom prst="line">
             <a:avLst/>
@@ -7198,9 +7177,9 @@
           <p:nvPr/>
         </p:nvCxnSpPr>
         <p:spPr>
-          <a:xfrm>
-            <a:off x="7037566" y="3543266"/>
-            <a:ext cx="531252" cy="0"/>
+          <a:xfrm flipV="1">
+            <a:off x="7075124" y="3540281"/>
+            <a:ext cx="902857" cy="2988"/>
           </a:xfrm>
           <a:prstGeom prst="line">
             <a:avLst/>
@@ -7239,8 +7218,8 @@
         </p:nvCxnSpPr>
         <p:spPr>
           <a:xfrm>
-            <a:off x="6986642" y="3666209"/>
-            <a:ext cx="633100" cy="644401"/>
+            <a:off x="7024200" y="3666209"/>
+            <a:ext cx="1004703" cy="894006"/>
           </a:xfrm>
           <a:prstGeom prst="line">
             <a:avLst/>
@@ -7279,8 +7258,8 @@
         </p:nvCxnSpPr>
         <p:spPr>
           <a:xfrm flipH="1">
-            <a:off x="6863704" y="3717133"/>
-            <a:ext cx="1" cy="529127"/>
+            <a:off x="6900137" y="3717133"/>
+            <a:ext cx="1123" cy="792159"/>
           </a:xfrm>
           <a:prstGeom prst="line">
             <a:avLst/>
@@ -7317,13 +7296,13 @@
           <p:nvPr>
             <p:extLst>
               <p:ext uri="{D42A27DB-BD31-4B8C-83A1-F6EECF244321}">
-                <p14:modId xmlns:p14="http://schemas.microsoft.com/office/powerpoint/2010/main" val="2321215268"/>
+                <p14:modId xmlns:p14="http://schemas.microsoft.com/office/powerpoint/2010/main" val="2718691437"/>
               </p:ext>
             </p:extLst>
           </p:nvPr>
         </p:nvGraphicFramePr>
         <p:xfrm>
-          <a:off x="6482701" y="3840069"/>
+          <a:off x="6478163" y="3976339"/>
           <a:ext cx="381000" cy="190500"/>
         </p:xfrm>
         <a:graphic>
@@ -7351,7 +7330,7 @@
                     </p:blipFill>
                     <p:spPr>
                       <a:xfrm>
-                        <a:off x="6482701" y="3840069"/>
+                        <a:off x="6478163" y="3976339"/>
                         <a:ext cx="381000" cy="190500"/>
                       </a:xfrm>
                       <a:prstGeom prst="rect">
@@ -7380,13 +7359,13 @@
           <p:nvPr>
             <p:extLst>
               <p:ext uri="{D42A27DB-BD31-4B8C-83A1-F6EECF244321}">
-                <p14:modId xmlns:p14="http://schemas.microsoft.com/office/powerpoint/2010/main" val="1370346728"/>
+                <p14:modId xmlns:p14="http://schemas.microsoft.com/office/powerpoint/2010/main" val="276780942"/>
               </p:ext>
             </p:extLst>
           </p:nvPr>
         </p:nvGraphicFramePr>
         <p:xfrm>
-          <a:off x="7437879" y="3867631"/>
+          <a:off x="7567708" y="3955005"/>
           <a:ext cx="609600" cy="190500"/>
         </p:xfrm>
         <a:graphic>
@@ -7414,7 +7393,7 @@
                     </p:blipFill>
                     <p:spPr>
                       <a:xfrm>
-                        <a:off x="7437879" y="3867631"/>
+                        <a:off x="7567708" y="3955005"/>
                         <a:ext cx="609600" cy="190500"/>
                       </a:xfrm>
                       <a:prstGeom prst="rect">
@@ -7443,13 +7422,13 @@
           <p:nvPr>
             <p:extLst>
               <p:ext uri="{D42A27DB-BD31-4B8C-83A1-F6EECF244321}">
-                <p14:modId xmlns:p14="http://schemas.microsoft.com/office/powerpoint/2010/main" val="4249117987"/>
+                <p14:modId xmlns:p14="http://schemas.microsoft.com/office/powerpoint/2010/main" val="2767771095"/>
               </p:ext>
             </p:extLst>
           </p:nvPr>
         </p:nvGraphicFramePr>
         <p:xfrm>
-          <a:off x="7028212" y="3277026"/>
+          <a:off x="7221752" y="3311430"/>
           <a:ext cx="609600" cy="190500"/>
         </p:xfrm>
         <a:graphic>
@@ -7477,7 +7456,7 @@
                     </p:blipFill>
                     <p:spPr>
                       <a:xfrm>
-                        <a:off x="7028212" y="3277026"/>
+                        <a:off x="7221752" y="3311430"/>
                         <a:ext cx="609600" cy="190500"/>
                       </a:xfrm>
                       <a:prstGeom prst="rect">

--- a/TKGE-PN.pptx
+++ b/TKGE-PN.pptx
@@ -114,6 +114,1293 @@
     </p:ext>
   </p:extLst>
 </p:presentation>
+</file>
+
+<file path=ppt/charts/chart1.xml><?xml version="1.0" encoding="utf-8"?>
+<c:chartSpace xmlns:c="http://schemas.openxmlformats.org/drawingml/2006/chart" xmlns:a="http://schemas.openxmlformats.org/drawingml/2006/main" xmlns:r="http://schemas.openxmlformats.org/officeDocument/2006/relationships" xmlns:c16r2="http://schemas.microsoft.com/office/drawing/2015/06/chart">
+  <c:date1904 val="0"/>
+  <c:lang val="zh-CN"/>
+  <c:roundedCorners val="0"/>
+  <mc:AlternateContent xmlns:mc="http://schemas.openxmlformats.org/markup-compatibility/2006">
+    <mc:Choice xmlns:c14="http://schemas.microsoft.com/office/drawing/2007/8/2/chart" Requires="c14">
+      <c14:style val="102"/>
+    </mc:Choice>
+    <mc:Fallback>
+      <c:style val="2"/>
+    </mc:Fallback>
+  </mc:AlternateContent>
+  <c:chart>
+    <c:autoTitleDeleted val="1"/>
+    <c:plotArea>
+      <c:layout/>
+      <c:barChart>
+        <c:barDir val="col"/>
+        <c:grouping val="clustered"/>
+        <c:varyColors val="0"/>
+        <c:ser>
+          <c:idx val="0"/>
+          <c:order val="0"/>
+          <c:tx>
+            <c:strRef>
+              <c:f>Sheet1!$B$1</c:f>
+              <c:strCache>
+                <c:ptCount val="1"/>
+                <c:pt idx="0">
+                  <c:v>系列 1</c:v>
+                </c:pt>
+              </c:strCache>
+            </c:strRef>
+          </c:tx>
+          <c:spPr>
+            <a:solidFill>
+              <a:schemeClr val="accent1">
+                <a:lumMod val="40000"/>
+                <a:lumOff val="60000"/>
+              </a:schemeClr>
+            </a:solidFill>
+            <a:ln>
+              <a:solidFill>
+                <a:schemeClr val="accent1">
+                  <a:lumMod val="40000"/>
+                  <a:lumOff val="60000"/>
+                </a:schemeClr>
+              </a:solidFill>
+            </a:ln>
+            <a:effectLst/>
+          </c:spPr>
+          <c:invertIfNegative val="0"/>
+          <c:cat>
+            <c:numRef>
+              <c:f>Sheet1!$A$2:$A$7</c:f>
+              <c:numCache>
+                <c:formatCode>General</c:formatCode>
+                <c:ptCount val="6"/>
+                <c:pt idx="0">
+                  <c:v>1</c:v>
+                </c:pt>
+                <c:pt idx="1">
+                  <c:v>2</c:v>
+                </c:pt>
+                <c:pt idx="2">
+                  <c:v>3</c:v>
+                </c:pt>
+                <c:pt idx="3">
+                  <c:v>4</c:v>
+                </c:pt>
+                <c:pt idx="4">
+                  <c:v>5</c:v>
+                </c:pt>
+                <c:pt idx="5">
+                  <c:v>6</c:v>
+                </c:pt>
+              </c:numCache>
+            </c:numRef>
+          </c:cat>
+          <c:val>
+            <c:numRef>
+              <c:f>Sheet1!$B$2:$B$7</c:f>
+              <c:numCache>
+                <c:formatCode>General</c:formatCode>
+                <c:ptCount val="6"/>
+                <c:pt idx="0">
+                  <c:v>1156</c:v>
+                </c:pt>
+                <c:pt idx="1">
+                  <c:v>284</c:v>
+                </c:pt>
+                <c:pt idx="2">
+                  <c:v>732</c:v>
+                </c:pt>
+                <c:pt idx="3">
+                  <c:v>277</c:v>
+                </c:pt>
+                <c:pt idx="4">
+                  <c:v>296</c:v>
+                </c:pt>
+                <c:pt idx="5">
+                  <c:v>218</c:v>
+                </c:pt>
+              </c:numCache>
+            </c:numRef>
+          </c:val>
+          <c:extLst>
+            <c:ext xmlns:c16="http://schemas.microsoft.com/office/drawing/2014/chart" uri="{C3380CC4-5D6E-409C-BE32-E72D297353CC}">
+              <c16:uniqueId val="{00000000-4330-4469-8C09-BE07F7BBDDF2}"/>
+            </c:ext>
+          </c:extLst>
+        </c:ser>
+        <c:dLbls>
+          <c:showLegendKey val="0"/>
+          <c:showVal val="0"/>
+          <c:showCatName val="0"/>
+          <c:showSerName val="0"/>
+          <c:showPercent val="0"/>
+          <c:showBubbleSize val="0"/>
+        </c:dLbls>
+        <c:gapWidth val="219"/>
+        <c:overlap val="-27"/>
+        <c:axId val="411697264"/>
+        <c:axId val="411683344"/>
+      </c:barChart>
+      <c:lineChart>
+        <c:grouping val="standard"/>
+        <c:varyColors val="0"/>
+        <c:ser>
+          <c:idx val="1"/>
+          <c:order val="1"/>
+          <c:tx>
+            <c:strRef>
+              <c:f>Sheet1!$C$1</c:f>
+              <c:strCache>
+                <c:ptCount val="1"/>
+                <c:pt idx="0">
+                  <c:v>TKGE-PN</c:v>
+                </c:pt>
+              </c:strCache>
+            </c:strRef>
+          </c:tx>
+          <c:spPr>
+            <a:ln w="28575" cap="rnd">
+              <a:solidFill>
+                <a:schemeClr val="accent6"/>
+              </a:solidFill>
+              <a:round/>
+            </a:ln>
+            <a:effectLst/>
+          </c:spPr>
+          <c:marker>
+            <c:symbol val="triangle"/>
+            <c:size val="13"/>
+            <c:spPr>
+              <a:solidFill>
+                <a:schemeClr val="accent3">
+                  <a:lumMod val="75000"/>
+                </a:schemeClr>
+              </a:solidFill>
+              <a:ln w="9525">
+                <a:solidFill>
+                  <a:schemeClr val="accent3">
+                    <a:lumMod val="75000"/>
+                  </a:schemeClr>
+                </a:solidFill>
+              </a:ln>
+              <a:effectLst/>
+            </c:spPr>
+          </c:marker>
+          <c:cat>
+            <c:numRef>
+              <c:f>Sheet1!$A$2:$A$7</c:f>
+              <c:numCache>
+                <c:formatCode>General</c:formatCode>
+                <c:ptCount val="6"/>
+                <c:pt idx="0">
+                  <c:v>1</c:v>
+                </c:pt>
+                <c:pt idx="1">
+                  <c:v>2</c:v>
+                </c:pt>
+                <c:pt idx="2">
+                  <c:v>3</c:v>
+                </c:pt>
+                <c:pt idx="3">
+                  <c:v>4</c:v>
+                </c:pt>
+                <c:pt idx="4">
+                  <c:v>5</c:v>
+                </c:pt>
+                <c:pt idx="5">
+                  <c:v>6</c:v>
+                </c:pt>
+              </c:numCache>
+            </c:numRef>
+          </c:cat>
+          <c:val>
+            <c:numRef>
+              <c:f>Sheet1!$C$2:$C$7</c:f>
+              <c:numCache>
+                <c:formatCode>General</c:formatCode>
+                <c:ptCount val="6"/>
+                <c:pt idx="0">
+                  <c:v>1</c:v>
+                </c:pt>
+                <c:pt idx="1">
+                  <c:v>0.48</c:v>
+                </c:pt>
+                <c:pt idx="2">
+                  <c:v>0.443</c:v>
+                </c:pt>
+                <c:pt idx="3">
+                  <c:v>0.188</c:v>
+                </c:pt>
+                <c:pt idx="4">
+                  <c:v>0.125</c:v>
+                </c:pt>
+                <c:pt idx="5">
+                  <c:v>7.5999999999999998E-2</c:v>
+                </c:pt>
+              </c:numCache>
+            </c:numRef>
+          </c:val>
+          <c:smooth val="0"/>
+          <c:extLst>
+            <c:ext xmlns:c16="http://schemas.microsoft.com/office/drawing/2014/chart" uri="{C3380CC4-5D6E-409C-BE32-E72D297353CC}">
+              <c16:uniqueId val="{00000001-4330-4469-8C09-BE07F7BBDDF2}"/>
+            </c:ext>
+          </c:extLst>
+        </c:ser>
+        <c:ser>
+          <c:idx val="2"/>
+          <c:order val="2"/>
+          <c:tx>
+            <c:strRef>
+              <c:f>Sheet1!$D$1</c:f>
+              <c:strCache>
+                <c:ptCount val="1"/>
+                <c:pt idx="0">
+                  <c:v>消融Path-Transformer</c:v>
+                </c:pt>
+              </c:strCache>
+            </c:strRef>
+          </c:tx>
+          <c:spPr>
+            <a:ln w="28575" cap="rnd">
+              <a:solidFill>
+                <a:schemeClr val="accent2"/>
+              </a:solidFill>
+              <a:round/>
+            </a:ln>
+            <a:effectLst/>
+          </c:spPr>
+          <c:marker>
+            <c:symbol val="square"/>
+            <c:size val="13"/>
+            <c:spPr>
+              <a:solidFill>
+                <a:schemeClr val="accent3">
+                  <a:lumMod val="75000"/>
+                </a:schemeClr>
+              </a:solidFill>
+              <a:ln w="9525">
+                <a:solidFill>
+                  <a:schemeClr val="accent3">
+                    <a:lumMod val="75000"/>
+                  </a:schemeClr>
+                </a:solidFill>
+              </a:ln>
+              <a:effectLst/>
+            </c:spPr>
+          </c:marker>
+          <c:cat>
+            <c:numRef>
+              <c:f>Sheet1!$A$2:$A$7</c:f>
+              <c:numCache>
+                <c:formatCode>General</c:formatCode>
+                <c:ptCount val="6"/>
+                <c:pt idx="0">
+                  <c:v>1</c:v>
+                </c:pt>
+                <c:pt idx="1">
+                  <c:v>2</c:v>
+                </c:pt>
+                <c:pt idx="2">
+                  <c:v>3</c:v>
+                </c:pt>
+                <c:pt idx="3">
+                  <c:v>4</c:v>
+                </c:pt>
+                <c:pt idx="4">
+                  <c:v>5</c:v>
+                </c:pt>
+                <c:pt idx="5">
+                  <c:v>6</c:v>
+                </c:pt>
+              </c:numCache>
+            </c:numRef>
+          </c:cat>
+          <c:val>
+            <c:numRef>
+              <c:f>Sheet1!$D$2:$D$7</c:f>
+              <c:numCache>
+                <c:formatCode>General</c:formatCode>
+                <c:ptCount val="6"/>
+                <c:pt idx="0">
+                  <c:v>1</c:v>
+                </c:pt>
+                <c:pt idx="1">
+                  <c:v>0.38700000000000001</c:v>
+                </c:pt>
+                <c:pt idx="2">
+                  <c:v>0.34300000000000003</c:v>
+                </c:pt>
+                <c:pt idx="3">
+                  <c:v>0.13900000000000001</c:v>
+                </c:pt>
+                <c:pt idx="4">
+                  <c:v>8.2000000000000003E-2</c:v>
+                </c:pt>
+                <c:pt idx="5">
+                  <c:v>4.2999999999999997E-2</c:v>
+                </c:pt>
+              </c:numCache>
+            </c:numRef>
+          </c:val>
+          <c:smooth val="0"/>
+          <c:extLst>
+            <c:ext xmlns:c16="http://schemas.microsoft.com/office/drawing/2014/chart" uri="{C3380CC4-5D6E-409C-BE32-E72D297353CC}">
+              <c16:uniqueId val="{00000002-4330-4469-8C09-BE07F7BBDDF2}"/>
+            </c:ext>
+          </c:extLst>
+        </c:ser>
+        <c:dLbls>
+          <c:showLegendKey val="0"/>
+          <c:showVal val="0"/>
+          <c:showCatName val="0"/>
+          <c:showSerName val="0"/>
+          <c:showPercent val="0"/>
+          <c:showBubbleSize val="0"/>
+        </c:dLbls>
+        <c:marker val="1"/>
+        <c:smooth val="0"/>
+        <c:axId val="408728688"/>
+        <c:axId val="408737328"/>
+      </c:lineChart>
+      <c:catAx>
+        <c:axId val="411697264"/>
+        <c:scaling>
+          <c:orientation val="minMax"/>
+        </c:scaling>
+        <c:delete val="0"/>
+        <c:axPos val="b"/>
+        <c:majorGridlines>
+          <c:spPr>
+            <a:ln w="9525" cap="flat" cmpd="sng" algn="ctr">
+              <a:solidFill>
+                <a:schemeClr val="tx1">
+                  <a:lumMod val="15000"/>
+                  <a:lumOff val="85000"/>
+                </a:schemeClr>
+              </a:solidFill>
+              <a:round/>
+            </a:ln>
+            <a:effectLst/>
+          </c:spPr>
+        </c:majorGridlines>
+        <c:title>
+          <c:tx>
+            <c:rich>
+              <a:bodyPr rot="0" spcFirstLastPara="1" vertOverflow="ellipsis" vert="horz" wrap="square" anchor="ctr" anchorCtr="1"/>
+              <a:lstStyle/>
+              <a:p>
+                <a:pPr>
+                  <a:defRPr sz="2000" b="0" i="0" u="none" strike="noStrike" kern="1200" baseline="0">
+                    <a:solidFill>
+                      <a:schemeClr val="tx1"/>
+                    </a:solidFill>
+                    <a:latin typeface="+mn-lt"/>
+                    <a:ea typeface="+mn-ea"/>
+                    <a:cs typeface="+mn-cs"/>
+                  </a:defRPr>
+                </a:pPr>
+                <a:r>
+                  <a:rPr lang="zh-CN"/>
+                  <a:t>头实体和尾实体间的最短距离</a:t>
+                </a:r>
+              </a:p>
+            </c:rich>
+          </c:tx>
+          <c:overlay val="0"/>
+          <c:spPr>
+            <a:noFill/>
+            <a:ln>
+              <a:noFill/>
+            </a:ln>
+            <a:effectLst/>
+          </c:spPr>
+          <c:txPr>
+            <a:bodyPr rot="0" spcFirstLastPara="1" vertOverflow="ellipsis" vert="horz" wrap="square" anchor="ctr" anchorCtr="1"/>
+            <a:lstStyle/>
+            <a:p>
+              <a:pPr>
+                <a:defRPr sz="2000" b="0" i="0" u="none" strike="noStrike" kern="1200" baseline="0">
+                  <a:solidFill>
+                    <a:schemeClr val="tx1"/>
+                  </a:solidFill>
+                  <a:latin typeface="+mn-lt"/>
+                  <a:ea typeface="+mn-ea"/>
+                  <a:cs typeface="+mn-cs"/>
+                </a:defRPr>
+              </a:pPr>
+              <a:endParaRPr lang="zh-CN"/>
+            </a:p>
+          </c:txPr>
+        </c:title>
+        <c:numFmt formatCode="General" sourceLinked="1"/>
+        <c:majorTickMark val="none"/>
+        <c:minorTickMark val="none"/>
+        <c:tickLblPos val="nextTo"/>
+        <c:spPr>
+          <a:noFill/>
+          <a:ln w="9525" cap="flat" cmpd="sng" algn="ctr">
+            <a:solidFill>
+              <a:schemeClr val="tx1">
+                <a:lumMod val="15000"/>
+                <a:lumOff val="85000"/>
+              </a:schemeClr>
+            </a:solidFill>
+            <a:round/>
+          </a:ln>
+          <a:effectLst/>
+        </c:spPr>
+        <c:txPr>
+          <a:bodyPr rot="-60000000" spcFirstLastPara="1" vertOverflow="ellipsis" vert="horz" wrap="square" anchor="ctr" anchorCtr="1"/>
+          <a:lstStyle/>
+          <a:p>
+            <a:pPr>
+              <a:defRPr sz="2000" b="0" i="0" u="none" strike="noStrike" kern="1200" baseline="0">
+                <a:solidFill>
+                  <a:schemeClr val="tx1"/>
+                </a:solidFill>
+                <a:latin typeface="+mn-lt"/>
+                <a:ea typeface="+mn-ea"/>
+                <a:cs typeface="+mn-cs"/>
+              </a:defRPr>
+            </a:pPr>
+            <a:endParaRPr lang="zh-CN"/>
+          </a:p>
+        </c:txPr>
+        <c:crossAx val="411683344"/>
+        <c:crosses val="autoZero"/>
+        <c:auto val="1"/>
+        <c:lblAlgn val="ctr"/>
+        <c:lblOffset val="100"/>
+        <c:noMultiLvlLbl val="0"/>
+      </c:catAx>
+      <c:valAx>
+        <c:axId val="411683344"/>
+        <c:scaling>
+          <c:orientation val="minMax"/>
+        </c:scaling>
+        <c:delete val="0"/>
+        <c:axPos val="l"/>
+        <c:title>
+          <c:tx>
+            <c:rich>
+              <a:bodyPr rot="-5400000" spcFirstLastPara="1" vertOverflow="ellipsis" vert="horz" wrap="square" anchor="ctr" anchorCtr="1"/>
+              <a:lstStyle/>
+              <a:p>
+                <a:pPr>
+                  <a:defRPr sz="2000" b="0" i="0" u="none" strike="noStrike" kern="1200" baseline="0">
+                    <a:solidFill>
+                      <a:schemeClr val="tx1"/>
+                    </a:solidFill>
+                    <a:latin typeface="+mn-lt"/>
+                    <a:ea typeface="+mn-ea"/>
+                    <a:cs typeface="+mn-cs"/>
+                  </a:defRPr>
+                </a:pPr>
+                <a:r>
+                  <a:rPr lang="zh-CN"/>
+                  <a:t>样本数量</a:t>
+                </a:r>
+              </a:p>
+            </c:rich>
+          </c:tx>
+          <c:overlay val="0"/>
+          <c:spPr>
+            <a:noFill/>
+            <a:ln>
+              <a:noFill/>
+            </a:ln>
+            <a:effectLst/>
+          </c:spPr>
+          <c:txPr>
+            <a:bodyPr rot="-5400000" spcFirstLastPara="1" vertOverflow="ellipsis" vert="horz" wrap="square" anchor="ctr" anchorCtr="1"/>
+            <a:lstStyle/>
+            <a:p>
+              <a:pPr>
+                <a:defRPr sz="2000" b="0" i="0" u="none" strike="noStrike" kern="1200" baseline="0">
+                  <a:solidFill>
+                    <a:schemeClr val="tx1"/>
+                  </a:solidFill>
+                  <a:latin typeface="+mn-lt"/>
+                  <a:ea typeface="+mn-ea"/>
+                  <a:cs typeface="+mn-cs"/>
+                </a:defRPr>
+              </a:pPr>
+              <a:endParaRPr lang="zh-CN"/>
+            </a:p>
+          </c:txPr>
+        </c:title>
+        <c:numFmt formatCode="General" sourceLinked="1"/>
+        <c:majorTickMark val="none"/>
+        <c:minorTickMark val="none"/>
+        <c:tickLblPos val="nextTo"/>
+        <c:spPr>
+          <a:noFill/>
+          <a:ln>
+            <a:noFill/>
+          </a:ln>
+          <a:effectLst/>
+        </c:spPr>
+        <c:txPr>
+          <a:bodyPr rot="-60000000" spcFirstLastPara="1" vertOverflow="ellipsis" vert="horz" wrap="square" anchor="ctr" anchorCtr="1"/>
+          <a:lstStyle/>
+          <a:p>
+            <a:pPr>
+              <a:defRPr sz="2000" b="0" i="0" u="none" strike="noStrike" kern="1200" baseline="0">
+                <a:solidFill>
+                  <a:schemeClr val="tx1"/>
+                </a:solidFill>
+                <a:latin typeface="+mn-lt"/>
+                <a:ea typeface="+mn-ea"/>
+                <a:cs typeface="+mn-cs"/>
+              </a:defRPr>
+            </a:pPr>
+            <a:endParaRPr lang="zh-CN"/>
+          </a:p>
+        </c:txPr>
+        <c:crossAx val="411697264"/>
+        <c:crosses val="autoZero"/>
+        <c:crossBetween val="between"/>
+      </c:valAx>
+      <c:valAx>
+        <c:axId val="408737328"/>
+        <c:scaling>
+          <c:orientation val="minMax"/>
+        </c:scaling>
+        <c:delete val="0"/>
+        <c:axPos val="r"/>
+        <c:title>
+          <c:tx>
+            <c:rich>
+              <a:bodyPr rot="-5400000" spcFirstLastPara="1" vertOverflow="ellipsis" vert="horz" wrap="square" anchor="ctr" anchorCtr="1"/>
+              <a:lstStyle/>
+              <a:p>
+                <a:pPr>
+                  <a:defRPr sz="2000" b="0" i="0" u="none" strike="noStrike" kern="1200" baseline="0">
+                    <a:solidFill>
+                      <a:schemeClr val="tx1"/>
+                    </a:solidFill>
+                    <a:latin typeface="+mn-lt"/>
+                    <a:ea typeface="+mn-ea"/>
+                    <a:cs typeface="+mn-cs"/>
+                  </a:defRPr>
+                </a:pPr>
+                <a:r>
+                  <a:rPr lang="en-US"/>
+                  <a:t>MRR</a:t>
+                </a:r>
+                <a:endParaRPr lang="zh-CN"/>
+              </a:p>
+            </c:rich>
+          </c:tx>
+          <c:overlay val="0"/>
+          <c:spPr>
+            <a:noFill/>
+            <a:ln>
+              <a:noFill/>
+            </a:ln>
+            <a:effectLst/>
+          </c:spPr>
+          <c:txPr>
+            <a:bodyPr rot="-5400000" spcFirstLastPara="1" vertOverflow="ellipsis" vert="horz" wrap="square" anchor="ctr" anchorCtr="1"/>
+            <a:lstStyle/>
+            <a:p>
+              <a:pPr>
+                <a:defRPr sz="2000" b="0" i="0" u="none" strike="noStrike" kern="1200" baseline="0">
+                  <a:solidFill>
+                    <a:schemeClr val="tx1"/>
+                  </a:solidFill>
+                  <a:latin typeface="+mn-lt"/>
+                  <a:ea typeface="+mn-ea"/>
+                  <a:cs typeface="+mn-cs"/>
+                </a:defRPr>
+              </a:pPr>
+              <a:endParaRPr lang="zh-CN"/>
+            </a:p>
+          </c:txPr>
+        </c:title>
+        <c:numFmt formatCode="General" sourceLinked="1"/>
+        <c:majorTickMark val="out"/>
+        <c:minorTickMark val="none"/>
+        <c:tickLblPos val="nextTo"/>
+        <c:spPr>
+          <a:noFill/>
+          <a:ln>
+            <a:noFill/>
+          </a:ln>
+          <a:effectLst/>
+        </c:spPr>
+        <c:txPr>
+          <a:bodyPr rot="-60000000" spcFirstLastPara="1" vertOverflow="ellipsis" vert="horz" wrap="square" anchor="ctr" anchorCtr="1"/>
+          <a:lstStyle/>
+          <a:p>
+            <a:pPr>
+              <a:defRPr sz="2000" b="0" i="0" u="none" strike="noStrike" kern="1200" baseline="0">
+                <a:solidFill>
+                  <a:schemeClr val="tx1"/>
+                </a:solidFill>
+                <a:latin typeface="+mn-lt"/>
+                <a:ea typeface="+mn-ea"/>
+                <a:cs typeface="+mn-cs"/>
+              </a:defRPr>
+            </a:pPr>
+            <a:endParaRPr lang="zh-CN"/>
+          </a:p>
+        </c:txPr>
+        <c:crossAx val="408728688"/>
+        <c:crosses val="max"/>
+        <c:crossBetween val="between"/>
+      </c:valAx>
+      <c:catAx>
+        <c:axId val="408728688"/>
+        <c:scaling>
+          <c:orientation val="minMax"/>
+        </c:scaling>
+        <c:delete val="1"/>
+        <c:axPos val="b"/>
+        <c:numFmt formatCode="General" sourceLinked="1"/>
+        <c:majorTickMark val="out"/>
+        <c:minorTickMark val="none"/>
+        <c:tickLblPos val="nextTo"/>
+        <c:crossAx val="408737328"/>
+        <c:crosses val="autoZero"/>
+        <c:auto val="1"/>
+        <c:lblAlgn val="ctr"/>
+        <c:lblOffset val="100"/>
+        <c:noMultiLvlLbl val="0"/>
+      </c:catAx>
+      <c:spPr>
+        <a:noFill/>
+        <a:ln>
+          <a:noFill/>
+        </a:ln>
+        <a:effectLst/>
+      </c:spPr>
+    </c:plotArea>
+    <c:legend>
+      <c:legendPos val="tr"/>
+      <c:legendEntry>
+        <c:idx val="0"/>
+        <c:delete val="1"/>
+      </c:legendEntry>
+      <c:layout>
+        <c:manualLayout>
+          <c:xMode val="edge"/>
+          <c:yMode val="edge"/>
+          <c:x val="0.66096832462684985"/>
+          <c:y val="9.9219111736344873E-3"/>
+          <c:w val="0.23319796537470316"/>
+          <c:h val="9.978395754567855E-2"/>
+        </c:manualLayout>
+      </c:layout>
+      <c:overlay val="1"/>
+      <c:spPr>
+        <a:solidFill>
+          <a:schemeClr val="bg1"/>
+        </a:solidFill>
+        <a:ln>
+          <a:noFill/>
+        </a:ln>
+        <a:effectLst/>
+      </c:spPr>
+      <c:txPr>
+        <a:bodyPr rot="0" spcFirstLastPara="1" vertOverflow="ellipsis" vert="horz" wrap="square" anchor="ctr" anchorCtr="1"/>
+        <a:lstStyle/>
+        <a:p>
+          <a:pPr>
+            <a:defRPr sz="2000" b="0" i="0" u="none" strike="noStrike" kern="1200" baseline="0">
+              <a:solidFill>
+                <a:schemeClr val="tx1"/>
+              </a:solidFill>
+              <a:latin typeface="+mn-lt"/>
+              <a:ea typeface="+mn-ea"/>
+              <a:cs typeface="+mn-cs"/>
+            </a:defRPr>
+          </a:pPr>
+          <a:endParaRPr lang="zh-CN"/>
+        </a:p>
+      </c:txPr>
+    </c:legend>
+    <c:plotVisOnly val="1"/>
+    <c:dispBlanksAs val="gap"/>
+    <c:extLst>
+      <c:ext xmlns:c16r3="http://schemas.microsoft.com/office/drawing/2017/03/chart" uri="{56B9EC1D-385E-4148-901F-78D8002777C0}">
+        <c16r3:dataDisplayOptions16>
+          <c16r3:dispNaAsBlank val="1"/>
+        </c16r3:dataDisplayOptions16>
+      </c:ext>
+    </c:extLst>
+    <c:showDLblsOverMax val="0"/>
+  </c:chart>
+  <c:spPr>
+    <a:noFill/>
+    <a:ln>
+      <a:noFill/>
+    </a:ln>
+    <a:effectLst/>
+  </c:spPr>
+  <c:txPr>
+    <a:bodyPr/>
+    <a:lstStyle/>
+    <a:p>
+      <a:pPr>
+        <a:defRPr sz="2000">
+          <a:solidFill>
+            <a:schemeClr val="tx1"/>
+          </a:solidFill>
+        </a:defRPr>
+      </a:pPr>
+      <a:endParaRPr lang="zh-CN"/>
+    </a:p>
+  </c:txPr>
+  <c:externalData r:id="rId3">
+    <c:autoUpdate val="0"/>
+  </c:externalData>
+</c:chartSpace>
+</file>
+
+<file path=ppt/charts/colors1.xml><?xml version="1.0" encoding="utf-8"?>
+<cs:colorStyle xmlns:cs="http://schemas.microsoft.com/office/drawing/2012/chartStyle" xmlns:a="http://schemas.openxmlformats.org/drawingml/2006/main" meth="cycle" id="10">
+  <a:schemeClr val="accent1"/>
+  <a:schemeClr val="accent2"/>
+  <a:schemeClr val="accent3"/>
+  <a:schemeClr val="accent4"/>
+  <a:schemeClr val="accent5"/>
+  <a:schemeClr val="accent6"/>
+  <cs:variation/>
+  <cs:variation>
+    <a:lumMod val="60000"/>
+  </cs:variation>
+  <cs:variation>
+    <a:lumMod val="80000"/>
+    <a:lumOff val="20000"/>
+  </cs:variation>
+  <cs:variation>
+    <a:lumMod val="80000"/>
+  </cs:variation>
+  <cs:variation>
+    <a:lumMod val="60000"/>
+    <a:lumOff val="40000"/>
+  </cs:variation>
+  <cs:variation>
+    <a:lumMod val="50000"/>
+  </cs:variation>
+  <cs:variation>
+    <a:lumMod val="70000"/>
+    <a:lumOff val="30000"/>
+  </cs:variation>
+  <cs:variation>
+    <a:lumMod val="70000"/>
+  </cs:variation>
+  <cs:variation>
+    <a:lumMod val="50000"/>
+    <a:lumOff val="50000"/>
+  </cs:variation>
+</cs:colorStyle>
+</file>
+
+<file path=ppt/charts/style1.xml><?xml version="1.0" encoding="utf-8"?>
+<cs:chartStyle xmlns:cs="http://schemas.microsoft.com/office/drawing/2012/chartStyle" xmlns:a="http://schemas.openxmlformats.org/drawingml/2006/main" id="201">
+  <cs:axisTitle>
+    <cs:lnRef idx="0"/>
+    <cs:fillRef idx="0"/>
+    <cs:effectRef idx="0"/>
+    <cs:fontRef idx="minor">
+      <a:schemeClr val="tx1">
+        <a:lumMod val="65000"/>
+        <a:lumOff val="35000"/>
+      </a:schemeClr>
+    </cs:fontRef>
+    <cs:defRPr sz="1330" kern="1200"/>
+  </cs:axisTitle>
+  <cs:categoryAxis>
+    <cs:lnRef idx="0"/>
+    <cs:fillRef idx="0"/>
+    <cs:effectRef idx="0"/>
+    <cs:fontRef idx="minor">
+      <a:schemeClr val="tx1">
+        <a:lumMod val="65000"/>
+        <a:lumOff val="35000"/>
+      </a:schemeClr>
+    </cs:fontRef>
+    <cs:spPr>
+      <a:ln w="9525" cap="flat" cmpd="sng" algn="ctr">
+        <a:solidFill>
+          <a:schemeClr val="tx1">
+            <a:lumMod val="15000"/>
+            <a:lumOff val="85000"/>
+          </a:schemeClr>
+        </a:solidFill>
+        <a:round/>
+      </a:ln>
+    </cs:spPr>
+    <cs:defRPr sz="1197" kern="1200"/>
+  </cs:categoryAxis>
+  <cs:chartArea mods="allowNoFillOverride allowNoLineOverride">
+    <cs:lnRef idx="0"/>
+    <cs:fillRef idx="0"/>
+    <cs:effectRef idx="0"/>
+    <cs:fontRef idx="minor">
+      <a:schemeClr val="tx1"/>
+    </cs:fontRef>
+    <cs:spPr>
+      <a:solidFill>
+        <a:schemeClr val="bg1"/>
+      </a:solidFill>
+      <a:ln w="9525" cap="flat" cmpd="sng" algn="ctr">
+        <a:solidFill>
+          <a:schemeClr val="tx1">
+            <a:lumMod val="15000"/>
+            <a:lumOff val="85000"/>
+          </a:schemeClr>
+        </a:solidFill>
+        <a:round/>
+      </a:ln>
+    </cs:spPr>
+    <cs:defRPr sz="1330" kern="1200"/>
+  </cs:chartArea>
+  <cs:dataLabel>
+    <cs:lnRef idx="0"/>
+    <cs:fillRef idx="0"/>
+    <cs:effectRef idx="0"/>
+    <cs:fontRef idx="minor">
+      <a:schemeClr val="tx1">
+        <a:lumMod val="75000"/>
+        <a:lumOff val="25000"/>
+      </a:schemeClr>
+    </cs:fontRef>
+    <cs:defRPr sz="1197" kern="1200"/>
+  </cs:dataLabel>
+  <cs:dataLabelCallout>
+    <cs:lnRef idx="0"/>
+    <cs:fillRef idx="0"/>
+    <cs:effectRef idx="0"/>
+    <cs:fontRef idx="minor">
+      <a:schemeClr val="dk1">
+        <a:lumMod val="65000"/>
+        <a:lumOff val="35000"/>
+      </a:schemeClr>
+    </cs:fontRef>
+    <cs:spPr>
+      <a:solidFill>
+        <a:schemeClr val="lt1"/>
+      </a:solidFill>
+      <a:ln>
+        <a:solidFill>
+          <a:schemeClr val="dk1">
+            <a:lumMod val="25000"/>
+            <a:lumOff val="75000"/>
+          </a:schemeClr>
+        </a:solidFill>
+      </a:ln>
+    </cs:spPr>
+    <cs:defRPr sz="1197" kern="1200"/>
+    <cs:bodyPr rot="0" spcFirstLastPara="1" vertOverflow="clip" horzOverflow="clip" vert="horz" wrap="square" lIns="36576" tIns="18288" rIns="36576" bIns="18288" anchor="ctr" anchorCtr="1">
+      <a:spAutoFit/>
+    </cs:bodyPr>
+  </cs:dataLabelCallout>
+  <cs:dataPoint>
+    <cs:lnRef idx="0"/>
+    <cs:fillRef idx="1">
+      <cs:styleClr val="auto"/>
+    </cs:fillRef>
+    <cs:effectRef idx="0"/>
+    <cs:fontRef idx="minor">
+      <a:schemeClr val="tx1"/>
+    </cs:fontRef>
+  </cs:dataPoint>
+  <cs:dataPoint3D>
+    <cs:lnRef idx="0"/>
+    <cs:fillRef idx="1">
+      <cs:styleClr val="auto"/>
+    </cs:fillRef>
+    <cs:effectRef idx="0"/>
+    <cs:fontRef idx="minor">
+      <a:schemeClr val="tx1"/>
+    </cs:fontRef>
+  </cs:dataPoint3D>
+  <cs:dataPointLine>
+    <cs:lnRef idx="0">
+      <cs:styleClr val="auto"/>
+    </cs:lnRef>
+    <cs:fillRef idx="1"/>
+    <cs:effectRef idx="0"/>
+    <cs:fontRef idx="minor">
+      <a:schemeClr val="tx1"/>
+    </cs:fontRef>
+    <cs:spPr>
+      <a:ln w="28575" cap="rnd">
+        <a:solidFill>
+          <a:schemeClr val="phClr"/>
+        </a:solidFill>
+        <a:round/>
+      </a:ln>
+    </cs:spPr>
+  </cs:dataPointLine>
+  <cs:dataPointMarker>
+    <cs:lnRef idx="0">
+      <cs:styleClr val="auto"/>
+    </cs:lnRef>
+    <cs:fillRef idx="1">
+      <cs:styleClr val="auto"/>
+    </cs:fillRef>
+    <cs:effectRef idx="0"/>
+    <cs:fontRef idx="minor">
+      <a:schemeClr val="tx1"/>
+    </cs:fontRef>
+    <cs:spPr>
+      <a:ln w="9525">
+        <a:solidFill>
+          <a:schemeClr val="phClr"/>
+        </a:solidFill>
+      </a:ln>
+    </cs:spPr>
+  </cs:dataPointMarker>
+  <cs:dataPointMarkerLayout symbol="circle" size="5"/>
+  <cs:dataPointWireframe>
+    <cs:lnRef idx="0">
+      <cs:styleClr val="auto"/>
+    </cs:lnRef>
+    <cs:fillRef idx="1"/>
+    <cs:effectRef idx="0"/>
+    <cs:fontRef idx="minor">
+      <a:schemeClr val="tx1"/>
+    </cs:fontRef>
+    <cs:spPr>
+      <a:ln w="9525" cap="rnd">
+        <a:solidFill>
+          <a:schemeClr val="phClr"/>
+        </a:solidFill>
+        <a:round/>
+      </a:ln>
+    </cs:spPr>
+  </cs:dataPointWireframe>
+  <cs:dataTable>
+    <cs:lnRef idx="0"/>
+    <cs:fillRef idx="0"/>
+    <cs:effectRef idx="0"/>
+    <cs:fontRef idx="minor">
+      <a:schemeClr val="tx1">
+        <a:lumMod val="65000"/>
+        <a:lumOff val="35000"/>
+      </a:schemeClr>
+    </cs:fontRef>
+    <cs:spPr>
+      <a:noFill/>
+      <a:ln w="9525" cap="flat" cmpd="sng" algn="ctr">
+        <a:solidFill>
+          <a:schemeClr val="tx1">
+            <a:lumMod val="15000"/>
+            <a:lumOff val="85000"/>
+          </a:schemeClr>
+        </a:solidFill>
+        <a:round/>
+      </a:ln>
+    </cs:spPr>
+    <cs:defRPr sz="1197" kern="1200"/>
+  </cs:dataTable>
+  <cs:downBar>
+    <cs:lnRef idx="0"/>
+    <cs:fillRef idx="0"/>
+    <cs:effectRef idx="0"/>
+    <cs:fontRef idx="minor">
+      <a:schemeClr val="dk1"/>
+    </cs:fontRef>
+    <cs:spPr>
+      <a:solidFill>
+        <a:schemeClr val="dk1">
+          <a:lumMod val="65000"/>
+          <a:lumOff val="35000"/>
+        </a:schemeClr>
+      </a:solidFill>
+      <a:ln w="9525">
+        <a:solidFill>
+          <a:schemeClr val="tx1">
+            <a:lumMod val="65000"/>
+            <a:lumOff val="35000"/>
+          </a:schemeClr>
+        </a:solidFill>
+      </a:ln>
+    </cs:spPr>
+  </cs:downBar>
+  <cs:dropLine>
+    <cs:lnRef idx="0"/>
+    <cs:fillRef idx="0"/>
+    <cs:effectRef idx="0"/>
+    <cs:fontRef idx="minor">
+      <a:schemeClr val="tx1"/>
+    </cs:fontRef>
+    <cs:spPr>
+      <a:ln w="9525" cap="flat" cmpd="sng" algn="ctr">
+        <a:solidFill>
+          <a:schemeClr val="tx1">
+            <a:lumMod val="35000"/>
+            <a:lumOff val="65000"/>
+          </a:schemeClr>
+        </a:solidFill>
+        <a:round/>
+      </a:ln>
+    </cs:spPr>
+  </cs:dropLine>
+  <cs:errorBar>
+    <cs:lnRef idx="0"/>
+    <cs:fillRef idx="0"/>
+    <cs:effectRef idx="0"/>
+    <cs:fontRef idx="minor">
+      <a:schemeClr val="tx1"/>
+    </cs:fontRef>
+    <cs:spPr>
+      <a:ln w="9525" cap="flat" cmpd="sng" algn="ctr">
+        <a:solidFill>
+          <a:schemeClr val="tx1">
+            <a:lumMod val="65000"/>
+            <a:lumOff val="35000"/>
+          </a:schemeClr>
+        </a:solidFill>
+        <a:round/>
+      </a:ln>
+    </cs:spPr>
+  </cs:errorBar>
+  <cs:floor>
+    <cs:lnRef idx="0"/>
+    <cs:fillRef idx="0"/>
+    <cs:effectRef idx="0"/>
+    <cs:fontRef idx="minor">
+      <a:schemeClr val="tx1"/>
+    </cs:fontRef>
+    <cs:spPr>
+      <a:noFill/>
+      <a:ln>
+        <a:noFill/>
+      </a:ln>
+    </cs:spPr>
+  </cs:floor>
+  <cs:gridlineMajor>
+    <cs:lnRef idx="0"/>
+    <cs:fillRef idx="0"/>
+    <cs:effectRef idx="0"/>
+    <cs:fontRef idx="minor">
+      <a:schemeClr val="tx1"/>
+    </cs:fontRef>
+    <cs:spPr>
+      <a:ln w="9525" cap="flat" cmpd="sng" algn="ctr">
+        <a:solidFill>
+          <a:schemeClr val="tx1">
+            <a:lumMod val="15000"/>
+            <a:lumOff val="85000"/>
+          </a:schemeClr>
+        </a:solidFill>
+        <a:round/>
+      </a:ln>
+    </cs:spPr>
+  </cs:gridlineMajor>
+  <cs:gridlineMinor>
+    <cs:lnRef idx="0"/>
+    <cs:fillRef idx="0"/>
+    <cs:effectRef idx="0"/>
+    <cs:fontRef idx="minor">
+      <a:schemeClr val="tx1"/>
+    </cs:fontRef>
+    <cs:spPr>
+      <a:ln w="9525" cap="flat" cmpd="sng" algn="ctr">
+        <a:solidFill>
+          <a:schemeClr val="tx1">
+            <a:lumMod val="5000"/>
+            <a:lumOff val="95000"/>
+          </a:schemeClr>
+        </a:solidFill>
+        <a:round/>
+      </a:ln>
+    </cs:spPr>
+  </cs:gridlineMinor>
+  <cs:hiLoLine>
+    <cs:lnRef idx="0"/>
+    <cs:fillRef idx="0"/>
+    <cs:effectRef idx="0"/>
+    <cs:fontRef idx="minor">
+      <a:schemeClr val="tx1"/>
+    </cs:fontRef>
+    <cs:spPr>
+      <a:ln w="9525" cap="flat" cmpd="sng" algn="ctr">
+        <a:solidFill>
+          <a:schemeClr val="tx1">
+            <a:lumMod val="75000"/>
+            <a:lumOff val="25000"/>
+          </a:schemeClr>
+        </a:solidFill>
+        <a:round/>
+      </a:ln>
+    </cs:spPr>
+  </cs:hiLoLine>
+  <cs:leaderLine>
+    <cs:lnRef idx="0"/>
+    <cs:fillRef idx="0"/>
+    <cs:effectRef idx="0"/>
+    <cs:fontRef idx="minor">
+      <a:schemeClr val="tx1"/>
+    </cs:fontRef>
+    <cs:spPr>
+      <a:ln w="9525" cap="flat" cmpd="sng" algn="ctr">
+        <a:solidFill>
+          <a:schemeClr val="tx1">
+            <a:lumMod val="35000"/>
+            <a:lumOff val="65000"/>
+          </a:schemeClr>
+        </a:solidFill>
+        <a:round/>
+      </a:ln>
+    </cs:spPr>
+  </cs:leaderLine>
+  <cs:legend>
+    <cs:lnRef idx="0"/>
+    <cs:fillRef idx="0"/>
+    <cs:effectRef idx="0"/>
+    <cs:fontRef idx="minor">
+      <a:schemeClr val="tx1">
+        <a:lumMod val="65000"/>
+        <a:lumOff val="35000"/>
+      </a:schemeClr>
+    </cs:fontRef>
+    <cs:defRPr sz="1197" kern="1200"/>
+  </cs:legend>
+  <cs:plotArea mods="allowNoFillOverride allowNoLineOverride">
+    <cs:lnRef idx="0"/>
+    <cs:fillRef idx="0"/>
+    <cs:effectRef idx="0"/>
+    <cs:fontRef idx="minor">
+      <a:schemeClr val="tx1"/>
+    </cs:fontRef>
+  </cs:plotArea>
+  <cs:plotArea3D mods="allowNoFillOverride allowNoLineOverride">
+    <cs:lnRef idx="0"/>
+    <cs:fillRef idx="0"/>
+    <cs:effectRef idx="0"/>
+    <cs:fontRef idx="minor">
+      <a:schemeClr val="tx1"/>
+    </cs:fontRef>
+  </cs:plotArea3D>
+  <cs:seriesAxis>
+    <cs:lnRef idx="0"/>
+    <cs:fillRef idx="0"/>
+    <cs:effectRef idx="0"/>
+    <cs:fontRef idx="minor">
+      <a:schemeClr val="tx1">
+        <a:lumMod val="65000"/>
+        <a:lumOff val="35000"/>
+      </a:schemeClr>
+    </cs:fontRef>
+    <cs:defRPr sz="1197" kern="1200"/>
+  </cs:seriesAxis>
+  <cs:seriesLine>
+    <cs:lnRef idx="0"/>
+    <cs:fillRef idx="0"/>
+    <cs:effectRef idx="0"/>
+    <cs:fontRef idx="minor">
+      <a:schemeClr val="tx1"/>
+    </cs:fontRef>
+    <cs:spPr>
+      <a:ln w="9525" cap="flat" cmpd="sng" algn="ctr">
+        <a:solidFill>
+          <a:schemeClr val="tx1">
+            <a:lumMod val="35000"/>
+            <a:lumOff val="65000"/>
+          </a:schemeClr>
+        </a:solidFill>
+        <a:round/>
+      </a:ln>
+    </cs:spPr>
+  </cs:seriesLine>
+  <cs:title>
+    <cs:lnRef idx="0"/>
+    <cs:fillRef idx="0"/>
+    <cs:effectRef idx="0"/>
+    <cs:fontRef idx="minor">
+      <a:schemeClr val="tx1">
+        <a:lumMod val="65000"/>
+        <a:lumOff val="35000"/>
+      </a:schemeClr>
+    </cs:fontRef>
+    <cs:defRPr sz="1862" b="0" kern="1200" spc="0" baseline="0"/>
+  </cs:title>
+  <cs:trendline>
+    <cs:lnRef idx="0">
+      <cs:styleClr val="auto"/>
+    </cs:lnRef>
+    <cs:fillRef idx="0"/>
+    <cs:effectRef idx="0"/>
+    <cs:fontRef idx="minor">
+      <a:schemeClr val="tx1"/>
+    </cs:fontRef>
+    <cs:spPr>
+      <a:ln w="19050" cap="rnd">
+        <a:solidFill>
+          <a:schemeClr val="phClr"/>
+        </a:solidFill>
+        <a:prstDash val="sysDot"/>
+      </a:ln>
+    </cs:spPr>
+  </cs:trendline>
+  <cs:trendlineLabel>
+    <cs:lnRef idx="0"/>
+    <cs:fillRef idx="0"/>
+    <cs:effectRef idx="0"/>
+    <cs:fontRef idx="minor">
+      <a:schemeClr val="tx1">
+        <a:lumMod val="65000"/>
+        <a:lumOff val="35000"/>
+      </a:schemeClr>
+    </cs:fontRef>
+    <cs:defRPr sz="1197" kern="1200"/>
+  </cs:trendlineLabel>
+  <cs:upBar>
+    <cs:lnRef idx="0"/>
+    <cs:fillRef idx="0"/>
+    <cs:effectRef idx="0"/>
+    <cs:fontRef idx="minor">
+      <a:schemeClr val="dk1"/>
+    </cs:fontRef>
+    <cs:spPr>
+      <a:solidFill>
+        <a:schemeClr val="lt1"/>
+      </a:solidFill>
+      <a:ln w="9525">
+        <a:solidFill>
+          <a:schemeClr val="tx1">
+            <a:lumMod val="15000"/>
+            <a:lumOff val="85000"/>
+          </a:schemeClr>
+        </a:solidFill>
+      </a:ln>
+    </cs:spPr>
+  </cs:upBar>
+  <cs:valueAxis>
+    <cs:lnRef idx="0"/>
+    <cs:fillRef idx="0"/>
+    <cs:effectRef idx="0"/>
+    <cs:fontRef idx="minor">
+      <a:schemeClr val="tx1">
+        <a:lumMod val="65000"/>
+        <a:lumOff val="35000"/>
+      </a:schemeClr>
+    </cs:fontRef>
+    <cs:defRPr sz="1197" kern="1200"/>
+  </cs:valueAxis>
+  <cs:wall>
+    <cs:lnRef idx="0"/>
+    <cs:fillRef idx="0"/>
+    <cs:effectRef idx="0"/>
+    <cs:fontRef idx="minor">
+      <a:schemeClr val="tx1"/>
+    </cs:fontRef>
+    <cs:spPr>
+      <a:noFill/>
+      <a:ln>
+        <a:noFill/>
+      </a:ln>
+    </cs:spPr>
+  </cs:wall>
+</cs:chartStyle>
 </file>
 
 <file path=ppt/slideLayouts/slideLayout1.xml><?xml version="1.0" encoding="utf-8"?>
@@ -247,7 +1534,7 @@
           <a:p>
             <a:fld id="{DCBE5CE5-9DB1-45CD-8399-01ECD94B8955}" type="datetimeFigureOut">
               <a:rPr lang="zh-CN" altLang="en-US" smtClean="0"/>
-              <a:t>2024/3/9</a:t>
+              <a:t>2024/4/5</a:t>
             </a:fld>
             <a:endParaRPr lang="zh-CN" altLang="en-US"/>
           </a:p>
@@ -417,7 +1704,7 @@
           <a:p>
             <a:fld id="{DCBE5CE5-9DB1-45CD-8399-01ECD94B8955}" type="datetimeFigureOut">
               <a:rPr lang="zh-CN" altLang="en-US" smtClean="0"/>
-              <a:t>2024/3/9</a:t>
+              <a:t>2024/4/5</a:t>
             </a:fld>
             <a:endParaRPr lang="zh-CN" altLang="en-US"/>
           </a:p>
@@ -597,7 +1884,7 @@
           <a:p>
             <a:fld id="{DCBE5CE5-9DB1-45CD-8399-01ECD94B8955}" type="datetimeFigureOut">
               <a:rPr lang="zh-CN" altLang="en-US" smtClean="0"/>
-              <a:t>2024/3/9</a:t>
+              <a:t>2024/4/5</a:t>
             </a:fld>
             <a:endParaRPr lang="zh-CN" altLang="en-US"/>
           </a:p>
@@ -767,7 +2054,7 @@
           <a:p>
             <a:fld id="{DCBE5CE5-9DB1-45CD-8399-01ECD94B8955}" type="datetimeFigureOut">
               <a:rPr lang="zh-CN" altLang="en-US" smtClean="0"/>
-              <a:t>2024/3/9</a:t>
+              <a:t>2024/4/5</a:t>
             </a:fld>
             <a:endParaRPr lang="zh-CN" altLang="en-US"/>
           </a:p>
@@ -1013,7 +2300,7 @@
           <a:p>
             <a:fld id="{DCBE5CE5-9DB1-45CD-8399-01ECD94B8955}" type="datetimeFigureOut">
               <a:rPr lang="zh-CN" altLang="en-US" smtClean="0"/>
-              <a:t>2024/3/9</a:t>
+              <a:t>2024/4/5</a:t>
             </a:fld>
             <a:endParaRPr lang="zh-CN" altLang="en-US"/>
           </a:p>
@@ -1245,7 +2532,7 @@
           <a:p>
             <a:fld id="{DCBE5CE5-9DB1-45CD-8399-01ECD94B8955}" type="datetimeFigureOut">
               <a:rPr lang="zh-CN" altLang="en-US" smtClean="0"/>
-              <a:t>2024/3/9</a:t>
+              <a:t>2024/4/5</a:t>
             </a:fld>
             <a:endParaRPr lang="zh-CN" altLang="en-US"/>
           </a:p>
@@ -1612,7 +2899,7 @@
           <a:p>
             <a:fld id="{DCBE5CE5-9DB1-45CD-8399-01ECD94B8955}" type="datetimeFigureOut">
               <a:rPr lang="zh-CN" altLang="en-US" smtClean="0"/>
-              <a:t>2024/3/9</a:t>
+              <a:t>2024/4/5</a:t>
             </a:fld>
             <a:endParaRPr lang="zh-CN" altLang="en-US"/>
           </a:p>
@@ -1730,7 +3017,7 @@
           <a:p>
             <a:fld id="{DCBE5CE5-9DB1-45CD-8399-01ECD94B8955}" type="datetimeFigureOut">
               <a:rPr lang="zh-CN" altLang="en-US" smtClean="0"/>
-              <a:t>2024/3/9</a:t>
+              <a:t>2024/4/5</a:t>
             </a:fld>
             <a:endParaRPr lang="zh-CN" altLang="en-US"/>
           </a:p>
@@ -1825,7 +3112,7 @@
           <a:p>
             <a:fld id="{DCBE5CE5-9DB1-45CD-8399-01ECD94B8955}" type="datetimeFigureOut">
               <a:rPr lang="zh-CN" altLang="en-US" smtClean="0"/>
-              <a:t>2024/3/9</a:t>
+              <a:t>2024/4/5</a:t>
             </a:fld>
             <a:endParaRPr lang="zh-CN" altLang="en-US"/>
           </a:p>
@@ -2102,7 +3389,7 @@
           <a:p>
             <a:fld id="{DCBE5CE5-9DB1-45CD-8399-01ECD94B8955}" type="datetimeFigureOut">
               <a:rPr lang="zh-CN" altLang="en-US" smtClean="0"/>
-              <a:t>2024/3/9</a:t>
+              <a:t>2024/4/5</a:t>
             </a:fld>
             <a:endParaRPr lang="zh-CN" altLang="en-US"/>
           </a:p>
@@ -2359,7 +3646,7 @@
           <a:p>
             <a:fld id="{DCBE5CE5-9DB1-45CD-8399-01ECD94B8955}" type="datetimeFigureOut">
               <a:rPr lang="zh-CN" altLang="en-US" smtClean="0"/>
-              <a:t>2024/3/9</a:t>
+              <a:t>2024/4/5</a:t>
             </a:fld>
             <a:endParaRPr lang="zh-CN" altLang="en-US"/>
           </a:p>
@@ -2572,7 +3859,7 @@
           <a:p>
             <a:fld id="{DCBE5CE5-9DB1-45CD-8399-01ECD94B8955}" type="datetimeFigureOut">
               <a:rPr lang="zh-CN" altLang="en-US" smtClean="0"/>
-              <a:t>2024/3/9</a:t>
+              <a:t>2024/4/5</a:t>
             </a:fld>
             <a:endParaRPr lang="zh-CN" altLang="en-US"/>
           </a:p>
@@ -15652,6 +16939,34 @@
           <a:chExt cx="0" cy="0"/>
         </a:xfrm>
       </p:grpSpPr>
+      <p:graphicFrame>
+        <p:nvGraphicFramePr>
+          <p:cNvPr id="21" name="图表 20">
+            <a:extLst>
+              <a:ext uri="{FF2B5EF4-FFF2-40B4-BE49-F238E27FC236}">
+                <a16:creationId xmlns:a16="http://schemas.microsoft.com/office/drawing/2014/main" id="{FC98DF1B-B30C-5477-BB17-EE7EDBBD13ED}"/>
+              </a:ext>
+            </a:extLst>
+          </p:cNvPr>
+          <p:cNvGraphicFramePr/>
+          <p:nvPr>
+            <p:extLst>
+              <p:ext uri="{D42A27DB-BD31-4B8C-83A1-F6EECF244321}">
+                <p14:modId xmlns:p14="http://schemas.microsoft.com/office/powerpoint/2010/main" val="1593466467"/>
+              </p:ext>
+            </p:extLst>
+          </p:nvPr>
+        </p:nvGraphicFramePr>
+        <p:xfrm>
+          <a:off x="2879989" y="1020145"/>
+          <a:ext cx="11519959" cy="7679972"/>
+        </p:xfrm>
+        <a:graphic>
+          <a:graphicData uri="http://schemas.openxmlformats.org/drawingml/2006/chart">
+            <c:chart xmlns:c="http://schemas.openxmlformats.org/drawingml/2006/chart" xmlns:r="http://schemas.openxmlformats.org/officeDocument/2006/relationships" r:id="rId2"/>
+          </a:graphicData>
+        </a:graphic>
+      </p:graphicFrame>
     </p:spTree>
     <p:extLst>
       <p:ext uri="{BB962C8B-B14F-4D97-AF65-F5344CB8AC3E}">
